--- a/figures/data_structure_accel.pptx
+++ b/figures/data_structure_accel.pptx
@@ -104,6 +104,11 @@
       </a:defRPr>
     </a:lvl9pPr>
   </p:defaultTextStyle>
+  <p:extLst>
+    <p:ext uri="{EFAFB233-063F-42B5-8137-9DF3F51BA10A}">
+      <p15:sldGuideLst xmlns:p15="http://schemas.microsoft.com/office/powerpoint/2012/main"/>
+    </p:ext>
+  </p:extLst>
 </p:presentation>
 </file>
 
@@ -254,7 +259,7 @@
           <a:p>
             <a:fld id="{34F0488B-920C-4E2C-A93A-8480AA6700C9}" type="datetimeFigureOut">
               <a:rPr lang="en-US" smtClean="0"/>
-              <a:t>4/18/2019</a:t>
+              <a:t>5/28/19</a:t>
             </a:fld>
             <a:endParaRPr lang="en-US"/>
           </a:p>
@@ -452,7 +457,7 @@
           <a:p>
             <a:fld id="{34F0488B-920C-4E2C-A93A-8480AA6700C9}" type="datetimeFigureOut">
               <a:rPr lang="en-US" smtClean="0"/>
-              <a:t>4/18/2019</a:t>
+              <a:t>5/28/19</a:t>
             </a:fld>
             <a:endParaRPr lang="en-US"/>
           </a:p>
@@ -660,7 +665,7 @@
           <a:p>
             <a:fld id="{34F0488B-920C-4E2C-A93A-8480AA6700C9}" type="datetimeFigureOut">
               <a:rPr lang="en-US" smtClean="0"/>
-              <a:t>4/18/2019</a:t>
+              <a:t>5/28/19</a:t>
             </a:fld>
             <a:endParaRPr lang="en-US"/>
           </a:p>
@@ -858,7 +863,7 @@
           <a:p>
             <a:fld id="{34F0488B-920C-4E2C-A93A-8480AA6700C9}" type="datetimeFigureOut">
               <a:rPr lang="en-US" smtClean="0"/>
-              <a:t>4/18/2019</a:t>
+              <a:t>5/28/19</a:t>
             </a:fld>
             <a:endParaRPr lang="en-US"/>
           </a:p>
@@ -1133,7 +1138,7 @@
           <a:p>
             <a:fld id="{34F0488B-920C-4E2C-A93A-8480AA6700C9}" type="datetimeFigureOut">
               <a:rPr lang="en-US" smtClean="0"/>
-              <a:t>4/18/2019</a:t>
+              <a:t>5/28/19</a:t>
             </a:fld>
             <a:endParaRPr lang="en-US"/>
           </a:p>
@@ -1398,7 +1403,7 @@
           <a:p>
             <a:fld id="{34F0488B-920C-4E2C-A93A-8480AA6700C9}" type="datetimeFigureOut">
               <a:rPr lang="en-US" smtClean="0"/>
-              <a:t>4/18/2019</a:t>
+              <a:t>5/28/19</a:t>
             </a:fld>
             <a:endParaRPr lang="en-US"/>
           </a:p>
@@ -1810,7 +1815,7 @@
           <a:p>
             <a:fld id="{34F0488B-920C-4E2C-A93A-8480AA6700C9}" type="datetimeFigureOut">
               <a:rPr lang="en-US" smtClean="0"/>
-              <a:t>4/18/2019</a:t>
+              <a:t>5/28/19</a:t>
             </a:fld>
             <a:endParaRPr lang="en-US"/>
           </a:p>
@@ -1951,7 +1956,7 @@
           <a:p>
             <a:fld id="{34F0488B-920C-4E2C-A93A-8480AA6700C9}" type="datetimeFigureOut">
               <a:rPr lang="en-US" smtClean="0"/>
-              <a:t>4/18/2019</a:t>
+              <a:t>5/28/19</a:t>
             </a:fld>
             <a:endParaRPr lang="en-US"/>
           </a:p>
@@ -2064,7 +2069,7 @@
           <a:p>
             <a:fld id="{34F0488B-920C-4E2C-A93A-8480AA6700C9}" type="datetimeFigureOut">
               <a:rPr lang="en-US" smtClean="0"/>
-              <a:t>4/18/2019</a:t>
+              <a:t>5/28/19</a:t>
             </a:fld>
             <a:endParaRPr lang="en-US"/>
           </a:p>
@@ -2375,7 +2380,7 @@
           <a:p>
             <a:fld id="{34F0488B-920C-4E2C-A93A-8480AA6700C9}" type="datetimeFigureOut">
               <a:rPr lang="en-US" smtClean="0"/>
-              <a:t>4/18/2019</a:t>
+              <a:t>5/28/19</a:t>
             </a:fld>
             <a:endParaRPr lang="en-US"/>
           </a:p>
@@ -2663,7 +2668,7 @@
           <a:p>
             <a:fld id="{34F0488B-920C-4E2C-A93A-8480AA6700C9}" type="datetimeFigureOut">
               <a:rPr lang="en-US" smtClean="0"/>
-              <a:t>4/18/2019</a:t>
+              <a:t>5/28/19</a:t>
             </a:fld>
             <a:endParaRPr lang="en-US"/>
           </a:p>
@@ -2904,7 +2909,7 @@
           <a:p>
             <a:fld id="{34F0488B-920C-4E2C-A93A-8480AA6700C9}" type="datetimeFigureOut">
               <a:rPr lang="en-US" smtClean="0"/>
-              <a:t>4/18/2019</a:t>
+              <a:t>5/28/19</a:t>
             </a:fld>
             <a:endParaRPr lang="en-US"/>
           </a:p>
@@ -3367,7 +3372,7 @@
           <a:bodyPr/>
           <a:lstStyle/>
           <a:p>
-            <a:endParaRPr lang="en-US"/>
+            <a:endParaRPr lang="en-US" dirty="0"/>
           </a:p>
         </p:txBody>
       </p:sp>
@@ -4359,7 +4364,7 @@
               </a:spcAft>
             </a:pPr>
             <a:r>
-              <a:rPr kumimoji="1" lang="zh-CN" altLang="en-US" sz="2400" dirty="0">
+              <a:rPr kumimoji="1" lang="zh-CN" altLang="en-US" sz="2400" b="1" dirty="0">
                 <a:solidFill>
                   <a:srgbClr val="C00000"/>
                 </a:solidFill>
@@ -4389,11 +4394,20 @@
           <a:prstGeom prst="can">
             <a:avLst/>
           </a:prstGeom>
-          <a:solidFill>
-            <a:srgbClr val="C00000"/>
-          </a:solidFill>
+          <a:pattFill prst="wdDnDiag">
+            <a:fgClr>
+              <a:schemeClr val="bg2">
+                <a:lumMod val="90000"/>
+              </a:schemeClr>
+            </a:fgClr>
+            <a:bgClr>
+              <a:schemeClr val="bg1"/>
+            </a:bgClr>
+          </a:pattFill>
           <a:ln>
-            <a:noFill/>
+            <a:solidFill>
+              <a:schemeClr val="tx1"/>
+            </a:solidFill>
           </a:ln>
         </p:spPr>
         <p:style>
@@ -4432,17 +4446,9 @@
             </a:pPr>
             <a:r>
               <a:rPr kumimoji="1" lang="zh-CN" altLang="en-US" sz="1600" dirty="0">
-                <a:gradFill>
-                  <a:gsLst>
-                    <a:gs pos="0">
-                      <a:srgbClr val="FFFFFF"/>
-                    </a:gs>
-                    <a:gs pos="100000">
-                      <a:srgbClr val="FFFFFF"/>
-                    </a:gs>
-                  </a:gsLst>
-                  <a:lin ang="5400000" scaled="0"/>
-                </a:gradFill>
+                <a:solidFill>
+                  <a:schemeClr val="tx1"/>
+                </a:solidFill>
                 <a:ea typeface="Segoe UI" pitchFamily="34" charset="0"/>
                 <a:cs typeface="Segoe UI" pitchFamily="34" charset="0"/>
               </a:rPr>
@@ -4450,17 +4456,9 @@
             </a:r>
             <a:r>
               <a:rPr kumimoji="1" lang="en-US" altLang="zh-CN" sz="1600" dirty="0">
-                <a:gradFill>
-                  <a:gsLst>
-                    <a:gs pos="0">
-                      <a:srgbClr val="FFFFFF"/>
-                    </a:gs>
-                    <a:gs pos="100000">
-                      <a:srgbClr val="FFFFFF"/>
-                    </a:gs>
-                  </a:gsLst>
-                  <a:lin ang="5400000" scaled="0"/>
-                </a:gradFill>
+                <a:solidFill>
+                  <a:schemeClr val="tx1"/>
+                </a:solidFill>
                 <a:ea typeface="Segoe UI" pitchFamily="34" charset="0"/>
                 <a:cs typeface="Segoe UI" pitchFamily="34" charset="0"/>
               </a:rPr>
@@ -4468,17 +4466,9 @@
             </a:r>
             <a:r>
               <a:rPr kumimoji="1" lang="zh-CN" altLang="en-US" sz="1600" dirty="0">
-                <a:gradFill>
-                  <a:gsLst>
-                    <a:gs pos="0">
-                      <a:srgbClr val="FFFFFF"/>
-                    </a:gs>
-                    <a:gs pos="100000">
-                      <a:srgbClr val="FFFFFF"/>
-                    </a:gs>
-                  </a:gsLst>
-                  <a:lin ang="5400000" scaled="0"/>
-                </a:gradFill>
+                <a:solidFill>
+                  <a:schemeClr val="tx1"/>
+                </a:solidFill>
                 <a:ea typeface="Segoe UI" pitchFamily="34" charset="0"/>
                 <a:cs typeface="Segoe UI" pitchFamily="34" charset="0"/>
               </a:rPr>
@@ -4486,34 +4476,18 @@
             </a:r>
             <a:r>
               <a:rPr kumimoji="1" lang="en-US" altLang="zh-CN" sz="1600" dirty="0">
-                <a:gradFill>
-                  <a:gsLst>
-                    <a:gs pos="0">
-                      <a:srgbClr val="FFFFFF"/>
-                    </a:gs>
-                    <a:gs pos="100000">
-                      <a:srgbClr val="FFFFFF"/>
-                    </a:gs>
-                  </a:gsLst>
-                  <a:lin ang="5400000" scaled="0"/>
-                </a:gradFill>
+                <a:solidFill>
+                  <a:schemeClr val="tx1"/>
+                </a:solidFill>
                 <a:ea typeface="Segoe UI" pitchFamily="34" charset="0"/>
                 <a:cs typeface="Segoe UI" pitchFamily="34" charset="0"/>
               </a:rPr>
               <a:t>Flash</a:t>
             </a:r>
             <a:endParaRPr kumimoji="1" lang="zh-CN" altLang="en-US" sz="1600" dirty="0">
-              <a:gradFill>
-                <a:gsLst>
-                  <a:gs pos="0">
-                    <a:srgbClr val="FFFFFF"/>
-                  </a:gs>
-                  <a:gs pos="100000">
-                    <a:srgbClr val="FFFFFF"/>
-                  </a:gs>
-                </a:gsLst>
-                <a:lin ang="5400000" scaled="0"/>
-              </a:gradFill>
+              <a:solidFill>
+                <a:schemeClr val="tx1"/>
+              </a:solidFill>
               <a:ea typeface="Segoe UI" pitchFamily="34" charset="0"/>
               <a:cs typeface="Segoe UI" pitchFamily="34" charset="0"/>
             </a:endParaRPr>
@@ -5760,7 +5734,20 @@
           <a:prstGeom prst="rect">
             <a:avLst/>
           </a:prstGeom>
+          <a:pattFill prst="pct50">
+            <a:fgClr>
+              <a:schemeClr val="bg2">
+                <a:lumMod val="90000"/>
+              </a:schemeClr>
+            </a:fgClr>
+            <a:bgClr>
+              <a:schemeClr val="bg1"/>
+            </a:bgClr>
+          </a:pattFill>
           <a:ln>
+            <a:solidFill>
+              <a:schemeClr val="tx1"/>
+            </a:solidFill>
             <a:headEnd type="none" w="med" len="med"/>
             <a:tailEnd type="none" w="med" len="med"/>
           </a:ln>
@@ -5804,7 +5791,7 @@
             <a:r>
               <a:rPr kumimoji="1" lang="zh-CN" altLang="en-US" sz="1400" dirty="0">
                 <a:solidFill>
-                  <a:schemeClr val="bg1"/>
+                  <a:schemeClr val="tx1"/>
                 </a:solidFill>
                 <a:ea typeface="Segoe UI" pitchFamily="34" charset="0"/>
                 <a:cs typeface="Segoe UI" pitchFamily="34" charset="0"/>
@@ -5834,7 +5821,20 @@
           <a:prstGeom prst="rect">
             <a:avLst/>
           </a:prstGeom>
+          <a:pattFill prst="pct50">
+            <a:fgClr>
+              <a:schemeClr val="bg2">
+                <a:lumMod val="90000"/>
+              </a:schemeClr>
+            </a:fgClr>
+            <a:bgClr>
+              <a:schemeClr val="bg1"/>
+            </a:bgClr>
+          </a:pattFill>
           <a:ln>
+            <a:solidFill>
+              <a:schemeClr val="tx1"/>
+            </a:solidFill>
             <a:headEnd type="none" w="med" len="med"/>
             <a:tailEnd type="none" w="med" len="med"/>
           </a:ln>
@@ -5878,7 +5878,7 @@
             <a:r>
               <a:rPr kumimoji="1" lang="zh-CN" altLang="en-US" sz="1400" dirty="0">
                 <a:solidFill>
-                  <a:schemeClr val="bg1"/>
+                  <a:schemeClr val="tx1"/>
                 </a:solidFill>
                 <a:ea typeface="Segoe UI" pitchFamily="34" charset="0"/>
                 <a:cs typeface="Segoe UI" pitchFamily="34" charset="0"/>
@@ -5908,7 +5908,20 @@
           <a:prstGeom prst="rect">
             <a:avLst/>
           </a:prstGeom>
+          <a:pattFill prst="pct50">
+            <a:fgClr>
+              <a:schemeClr val="bg2">
+                <a:lumMod val="90000"/>
+              </a:schemeClr>
+            </a:fgClr>
+            <a:bgClr>
+              <a:schemeClr val="bg1"/>
+            </a:bgClr>
+          </a:pattFill>
           <a:ln>
+            <a:solidFill>
+              <a:schemeClr val="tx1"/>
+            </a:solidFill>
             <a:headEnd type="none" w="med" len="med"/>
             <a:tailEnd type="none" w="med" len="med"/>
           </a:ln>
@@ -5952,7 +5965,7 @@
             <a:r>
               <a:rPr kumimoji="1" lang="zh-CN" altLang="en-US" sz="1400" dirty="0">
                 <a:solidFill>
-                  <a:schemeClr val="bg1"/>
+                  <a:schemeClr val="tx1"/>
                 </a:solidFill>
                 <a:ea typeface="Segoe UI" pitchFamily="34" charset="0"/>
                 <a:cs typeface="Segoe UI" pitchFamily="34" charset="0"/>
@@ -6416,7 +6429,20 @@
           <a:prstGeom prst="rect">
             <a:avLst/>
           </a:prstGeom>
+          <a:pattFill prst="pct50">
+            <a:fgClr>
+              <a:schemeClr val="bg2">
+                <a:lumMod val="90000"/>
+              </a:schemeClr>
+            </a:fgClr>
+            <a:bgClr>
+              <a:schemeClr val="bg1"/>
+            </a:bgClr>
+          </a:pattFill>
           <a:ln>
+            <a:solidFill>
+              <a:schemeClr val="tx1"/>
+            </a:solidFill>
             <a:headEnd type="none" w="med" len="med"/>
             <a:tailEnd type="none" w="med" len="med"/>
           </a:ln>
@@ -6460,7 +6486,7 @@
             <a:r>
               <a:rPr kumimoji="1" lang="zh-CN" altLang="en-US" sz="1400" dirty="0">
                 <a:solidFill>
-                  <a:schemeClr val="bg1"/>
+                  <a:schemeClr val="tx1"/>
                 </a:solidFill>
                 <a:ea typeface="Segoe UI" pitchFamily="34" charset="0"/>
                 <a:cs typeface="Segoe UI" pitchFamily="34" charset="0"/>
@@ -6490,7 +6516,20 @@
           <a:prstGeom prst="rect">
             <a:avLst/>
           </a:prstGeom>
+          <a:pattFill prst="pct50">
+            <a:fgClr>
+              <a:schemeClr val="bg2">
+                <a:lumMod val="90000"/>
+              </a:schemeClr>
+            </a:fgClr>
+            <a:bgClr>
+              <a:schemeClr val="bg1"/>
+            </a:bgClr>
+          </a:pattFill>
           <a:ln>
+            <a:solidFill>
+              <a:schemeClr val="tx1"/>
+            </a:solidFill>
             <a:headEnd type="none" w="med" len="med"/>
             <a:tailEnd type="none" w="med" len="med"/>
           </a:ln>
@@ -6534,7 +6573,7 @@
             <a:r>
               <a:rPr kumimoji="1" lang="zh-CN" altLang="en-US" sz="1400" dirty="0">
                 <a:solidFill>
-                  <a:schemeClr val="bg1"/>
+                  <a:schemeClr val="tx1"/>
                 </a:solidFill>
                 <a:ea typeface="Segoe UI" pitchFamily="34" charset="0"/>
                 <a:cs typeface="Segoe UI" pitchFamily="34" charset="0"/>
@@ -6904,10 +6943,20 @@
           <a:prstGeom prst="rect">
             <a:avLst/>
           </a:prstGeom>
-          <a:solidFill>
-            <a:srgbClr val="C00000"/>
-          </a:solidFill>
+          <a:pattFill prst="wdDnDiag">
+            <a:fgClr>
+              <a:schemeClr val="bg2">
+                <a:lumMod val="90000"/>
+              </a:schemeClr>
+            </a:fgClr>
+            <a:bgClr>
+              <a:schemeClr val="bg1"/>
+            </a:bgClr>
+          </a:pattFill>
           <a:ln>
+            <a:solidFill>
+              <a:schemeClr val="tx1"/>
+            </a:solidFill>
             <a:headEnd type="none" w="med" len="med"/>
             <a:tailEnd type="none" w="med" len="med"/>
           </a:ln>
@@ -6951,7 +7000,7 @@
             <a:r>
               <a:rPr kumimoji="1" lang="zh-CN" altLang="en-US" sz="1400" dirty="0">
                 <a:solidFill>
-                  <a:schemeClr val="bg1"/>
+                  <a:schemeClr val="tx1"/>
                 </a:solidFill>
                 <a:ea typeface="Segoe UI" pitchFamily="34" charset="0"/>
                 <a:cs typeface="Segoe UI" pitchFamily="34" charset="0"/>
@@ -6981,10 +7030,20 @@
           <a:prstGeom prst="rect">
             <a:avLst/>
           </a:prstGeom>
-          <a:solidFill>
-            <a:srgbClr val="C00000"/>
-          </a:solidFill>
+          <a:pattFill prst="wdDnDiag">
+            <a:fgClr>
+              <a:schemeClr val="bg2">
+                <a:lumMod val="90000"/>
+              </a:schemeClr>
+            </a:fgClr>
+            <a:bgClr>
+              <a:schemeClr val="bg1"/>
+            </a:bgClr>
+          </a:pattFill>
           <a:ln>
+            <a:solidFill>
+              <a:schemeClr val="tx1"/>
+            </a:solidFill>
             <a:headEnd type="none" w="med" len="med"/>
             <a:tailEnd type="none" w="med" len="med"/>
           </a:ln>
@@ -7028,7 +7087,7 @@
             <a:r>
               <a:rPr kumimoji="1" lang="zh-CN" altLang="en-US" sz="1400" dirty="0">
                 <a:solidFill>
-                  <a:schemeClr val="bg1"/>
+                  <a:schemeClr val="tx1"/>
                 </a:solidFill>
                 <a:ea typeface="Segoe UI" pitchFamily="34" charset="0"/>
                 <a:cs typeface="Segoe UI" pitchFamily="34" charset="0"/>
@@ -7175,7 +7234,20 @@
           <a:prstGeom prst="rect">
             <a:avLst/>
           </a:prstGeom>
+          <a:pattFill prst="pct50">
+            <a:fgClr>
+              <a:schemeClr val="bg2">
+                <a:lumMod val="90000"/>
+              </a:schemeClr>
+            </a:fgClr>
+            <a:bgClr>
+              <a:schemeClr val="bg1"/>
+            </a:bgClr>
+          </a:pattFill>
           <a:ln>
+            <a:solidFill>
+              <a:schemeClr val="tx1"/>
+            </a:solidFill>
             <a:headEnd type="none" w="med" len="med"/>
             <a:tailEnd type="none" w="med" len="med"/>
           </a:ln>
@@ -7219,7 +7291,7 @@
             <a:r>
               <a:rPr kumimoji="1" lang="zh-CN" altLang="en-US" sz="1400" dirty="0">
                 <a:solidFill>
-                  <a:schemeClr val="bg1"/>
+                  <a:schemeClr val="tx1"/>
                 </a:solidFill>
                 <a:ea typeface="Segoe UI" pitchFamily="34" charset="0"/>
                 <a:cs typeface="Segoe UI" pitchFamily="34" charset="0"/>
@@ -7404,7 +7476,20 @@
           <a:prstGeom prst="rect">
             <a:avLst/>
           </a:prstGeom>
+          <a:pattFill prst="pct50">
+            <a:fgClr>
+              <a:schemeClr val="bg2">
+                <a:lumMod val="90000"/>
+              </a:schemeClr>
+            </a:fgClr>
+            <a:bgClr>
+              <a:schemeClr val="bg1"/>
+            </a:bgClr>
+          </a:pattFill>
           <a:ln>
+            <a:solidFill>
+              <a:schemeClr val="tx1"/>
+            </a:solidFill>
             <a:headEnd type="none" w="med" len="med"/>
             <a:tailEnd type="none" w="med" len="med"/>
           </a:ln>
@@ -7448,7 +7533,7 @@
             <a:r>
               <a:rPr kumimoji="1" lang="zh-CN" altLang="en-US" sz="1400" dirty="0">
                 <a:solidFill>
-                  <a:schemeClr val="bg1"/>
+                  <a:schemeClr val="tx1"/>
                 </a:solidFill>
                 <a:ea typeface="Segoe UI" pitchFamily="34" charset="0"/>
                 <a:cs typeface="Segoe UI" pitchFamily="34" charset="0"/>
@@ -7633,7 +7718,20 @@
           <a:prstGeom prst="rect">
             <a:avLst/>
           </a:prstGeom>
+          <a:pattFill prst="pct50">
+            <a:fgClr>
+              <a:schemeClr val="bg2">
+                <a:lumMod val="90000"/>
+              </a:schemeClr>
+            </a:fgClr>
+            <a:bgClr>
+              <a:schemeClr val="bg1"/>
+            </a:bgClr>
+          </a:pattFill>
           <a:ln>
+            <a:solidFill>
+              <a:schemeClr val="tx1"/>
+            </a:solidFill>
             <a:headEnd type="none" w="med" len="med"/>
             <a:tailEnd type="none" w="med" len="med"/>
           </a:ln>
@@ -7677,7 +7775,7 @@
             <a:r>
               <a:rPr kumimoji="1" lang="zh-CN" altLang="en-US" sz="1400" dirty="0">
                 <a:solidFill>
-                  <a:schemeClr val="bg1"/>
+                  <a:schemeClr val="tx1"/>
                 </a:solidFill>
                 <a:ea typeface="Segoe UI" pitchFamily="34" charset="0"/>
                 <a:cs typeface="Segoe UI" pitchFamily="34" charset="0"/>
